--- a/ppt 16-9/1332.我所遭遇的是.pptx
+++ b/ppt 16-9/1332.我所遭遇的是.pptx
@@ -5,7 +5,7 @@
     <p:sldMasterId id="2147483648" r:id="rId1"/>
   </p:sldMasterIdLst>
   <p:sldIdLst>
-    <p:sldId id="889" r:id="rId2"/>
+    <p:sldId id="890" r:id="rId2"/>
   </p:sldIdLst>
   <p:sldSz cx="12192000" cy="6858000"/>
   <p:notesSz cx="6858000" cy="9144000"/>
@@ -129,7 +129,7 @@
           <p:cNvPr id="2" name="标题 1">
             <a:extLst>
               <a:ext uri="{FF2B5EF4-FFF2-40B4-BE49-F238E27FC236}">
-                <a16:creationId xmlns:a16="http://schemas.microsoft.com/office/drawing/2014/main" id="{8493BF3F-2A07-DD6C-ABF6-747BF0D3A2C2}"/>
+                <a16:creationId xmlns:a16="http://schemas.microsoft.com/office/drawing/2014/main" id="{D58077DF-A7C7-7674-DDAB-DABCA3F5A0E1}"/>
               </a:ext>
             </a:extLst>
           </p:cNvPr>
@@ -166,7 +166,7 @@
           <p:cNvPr id="3" name="副标题 2">
             <a:extLst>
               <a:ext uri="{FF2B5EF4-FFF2-40B4-BE49-F238E27FC236}">
-                <a16:creationId xmlns:a16="http://schemas.microsoft.com/office/drawing/2014/main" id="{67F6BFBC-4A2F-773B-F72A-A493A417B56A}"/>
+                <a16:creationId xmlns:a16="http://schemas.microsoft.com/office/drawing/2014/main" id="{5F67E73F-BD9F-B8C9-4D4D-F2B3081DDD60}"/>
               </a:ext>
             </a:extLst>
           </p:cNvPr>
@@ -236,7 +236,7 @@
           <p:cNvPr id="4" name="日期占位符 3">
             <a:extLst>
               <a:ext uri="{FF2B5EF4-FFF2-40B4-BE49-F238E27FC236}">
-                <a16:creationId xmlns:a16="http://schemas.microsoft.com/office/drawing/2014/main" id="{3C79C269-6C76-3A3A-FFEB-3B97451FD9A8}"/>
+                <a16:creationId xmlns:a16="http://schemas.microsoft.com/office/drawing/2014/main" id="{789C1AF0-99A4-DFC2-562A-179CCCF57594}"/>
               </a:ext>
             </a:extLst>
           </p:cNvPr>
@@ -252,7 +252,7 @@
           <a:bodyPr/>
           <a:lstStyle/>
           <a:p>
-            <a:fld id="{84D43CCE-37E0-489B-BCD7-80ED6834EC52}" type="datetimeFigureOut">
+            <a:fld id="{3F0FC3C3-15A7-4D3E-B504-79CF41ECBB60}" type="datetimeFigureOut">
               <a:rPr lang="zh-CN" altLang="en-US" smtClean="0"/>
               <a:t>2024/3/10</a:t>
             </a:fld>
@@ -265,7 +265,7 @@
           <p:cNvPr id="5" name="页脚占位符 4">
             <a:extLst>
               <a:ext uri="{FF2B5EF4-FFF2-40B4-BE49-F238E27FC236}">
-                <a16:creationId xmlns:a16="http://schemas.microsoft.com/office/drawing/2014/main" id="{2476B594-777E-E94D-9DEF-F73DD7529401}"/>
+                <a16:creationId xmlns:a16="http://schemas.microsoft.com/office/drawing/2014/main" id="{64A061BF-2E3B-EEB0-2D25-D3C65C566F58}"/>
               </a:ext>
             </a:extLst>
           </p:cNvPr>
@@ -290,7 +290,7 @@
           <p:cNvPr id="6" name="灯片编号占位符 5">
             <a:extLst>
               <a:ext uri="{FF2B5EF4-FFF2-40B4-BE49-F238E27FC236}">
-                <a16:creationId xmlns:a16="http://schemas.microsoft.com/office/drawing/2014/main" id="{0E451134-20EE-1640-CBFB-363073E20225}"/>
+                <a16:creationId xmlns:a16="http://schemas.microsoft.com/office/drawing/2014/main" id="{5EB333AE-CF11-2B4E-9143-0D88E813040A}"/>
               </a:ext>
             </a:extLst>
           </p:cNvPr>
@@ -306,7 +306,7 @@
           <a:bodyPr/>
           <a:lstStyle/>
           <a:p>
-            <a:fld id="{77F9F9FC-AA61-4D7D-81A0-19330AD9BF76}" type="slidenum">
+            <a:fld id="{29B79044-F750-4200-AE10-1B16BC99F08B}" type="slidenum">
               <a:rPr lang="zh-CN" altLang="en-US" smtClean="0"/>
               <a:t>‹#›</a:t>
             </a:fld>
@@ -317,7 +317,7 @@
     </p:spTree>
     <p:extLst>
       <p:ext uri="{BB962C8B-B14F-4D97-AF65-F5344CB8AC3E}">
-        <p14:creationId xmlns:p14="http://schemas.microsoft.com/office/powerpoint/2010/main" val="4056420459"/>
+        <p14:creationId xmlns:p14="http://schemas.microsoft.com/office/powerpoint/2010/main" val="1362480724"/>
       </p:ext>
     </p:extLst>
   </p:cSld>
@@ -349,7 +349,7 @@
           <p:cNvPr id="2" name="标题 1">
             <a:extLst>
               <a:ext uri="{FF2B5EF4-FFF2-40B4-BE49-F238E27FC236}">
-                <a16:creationId xmlns:a16="http://schemas.microsoft.com/office/drawing/2014/main" id="{5CD8652A-7A86-D621-D589-A561F21B8D0E}"/>
+                <a16:creationId xmlns:a16="http://schemas.microsoft.com/office/drawing/2014/main" id="{93F69E48-83CD-DB88-8F0F-3A96A5A639E1}"/>
               </a:ext>
             </a:extLst>
           </p:cNvPr>
@@ -377,7 +377,7 @@
           <p:cNvPr id="3" name="竖排文字占位符 2">
             <a:extLst>
               <a:ext uri="{FF2B5EF4-FFF2-40B4-BE49-F238E27FC236}">
-                <a16:creationId xmlns:a16="http://schemas.microsoft.com/office/drawing/2014/main" id="{FCDD4B7C-8F47-B533-0456-92A6529C0861}"/>
+                <a16:creationId xmlns:a16="http://schemas.microsoft.com/office/drawing/2014/main" id="{D0258838-4C27-FF8C-6146-77AE311F34D6}"/>
               </a:ext>
             </a:extLst>
           </p:cNvPr>
@@ -434,7 +434,7 @@
           <p:cNvPr id="4" name="日期占位符 3">
             <a:extLst>
               <a:ext uri="{FF2B5EF4-FFF2-40B4-BE49-F238E27FC236}">
-                <a16:creationId xmlns:a16="http://schemas.microsoft.com/office/drawing/2014/main" id="{604E6583-05A9-AF03-7007-5C03F7FB239C}"/>
+                <a16:creationId xmlns:a16="http://schemas.microsoft.com/office/drawing/2014/main" id="{3B99AAD8-0D28-5519-3AD4-BE89771556DA}"/>
               </a:ext>
             </a:extLst>
           </p:cNvPr>
@@ -450,7 +450,7 @@
           <a:bodyPr/>
           <a:lstStyle/>
           <a:p>
-            <a:fld id="{84D43CCE-37E0-489B-BCD7-80ED6834EC52}" type="datetimeFigureOut">
+            <a:fld id="{3F0FC3C3-15A7-4D3E-B504-79CF41ECBB60}" type="datetimeFigureOut">
               <a:rPr lang="zh-CN" altLang="en-US" smtClean="0"/>
               <a:t>2024/3/10</a:t>
             </a:fld>
@@ -463,7 +463,7 @@
           <p:cNvPr id="5" name="页脚占位符 4">
             <a:extLst>
               <a:ext uri="{FF2B5EF4-FFF2-40B4-BE49-F238E27FC236}">
-                <a16:creationId xmlns:a16="http://schemas.microsoft.com/office/drawing/2014/main" id="{5A761D3D-F470-3B7E-D99F-817D8461083D}"/>
+                <a16:creationId xmlns:a16="http://schemas.microsoft.com/office/drawing/2014/main" id="{F1C90062-773A-B8D7-3FC5-6D2DD38A3409}"/>
               </a:ext>
             </a:extLst>
           </p:cNvPr>
@@ -488,7 +488,7 @@
           <p:cNvPr id="6" name="灯片编号占位符 5">
             <a:extLst>
               <a:ext uri="{FF2B5EF4-FFF2-40B4-BE49-F238E27FC236}">
-                <a16:creationId xmlns:a16="http://schemas.microsoft.com/office/drawing/2014/main" id="{CB5E0385-ABBE-B40E-4306-FC15A0CF9304}"/>
+                <a16:creationId xmlns:a16="http://schemas.microsoft.com/office/drawing/2014/main" id="{00826001-99E3-1CDB-18A9-F36B64E75A4A}"/>
               </a:ext>
             </a:extLst>
           </p:cNvPr>
@@ -504,7 +504,7 @@
           <a:bodyPr/>
           <a:lstStyle/>
           <a:p>
-            <a:fld id="{77F9F9FC-AA61-4D7D-81A0-19330AD9BF76}" type="slidenum">
+            <a:fld id="{29B79044-F750-4200-AE10-1B16BC99F08B}" type="slidenum">
               <a:rPr lang="zh-CN" altLang="en-US" smtClean="0"/>
               <a:t>‹#›</a:t>
             </a:fld>
@@ -515,7 +515,7 @@
     </p:spTree>
     <p:extLst>
       <p:ext uri="{BB962C8B-B14F-4D97-AF65-F5344CB8AC3E}">
-        <p14:creationId xmlns:p14="http://schemas.microsoft.com/office/powerpoint/2010/main" val="1008584701"/>
+        <p14:creationId xmlns:p14="http://schemas.microsoft.com/office/powerpoint/2010/main" val="2279223030"/>
       </p:ext>
     </p:extLst>
   </p:cSld>
@@ -547,7 +547,7 @@
           <p:cNvPr id="2" name="竖排标题 1">
             <a:extLst>
               <a:ext uri="{FF2B5EF4-FFF2-40B4-BE49-F238E27FC236}">
-                <a16:creationId xmlns:a16="http://schemas.microsoft.com/office/drawing/2014/main" id="{6AE47101-9A0C-3A3C-E372-6ACBB253C0FC}"/>
+                <a16:creationId xmlns:a16="http://schemas.microsoft.com/office/drawing/2014/main" id="{C96B6192-517F-70B7-7969-9E026FCEFB2B}"/>
               </a:ext>
             </a:extLst>
           </p:cNvPr>
@@ -580,7 +580,7 @@
           <p:cNvPr id="3" name="竖排文字占位符 2">
             <a:extLst>
               <a:ext uri="{FF2B5EF4-FFF2-40B4-BE49-F238E27FC236}">
-                <a16:creationId xmlns:a16="http://schemas.microsoft.com/office/drawing/2014/main" id="{1709BA23-D673-822E-447C-2B62E140075B}"/>
+                <a16:creationId xmlns:a16="http://schemas.microsoft.com/office/drawing/2014/main" id="{8F73CA9D-14DD-6664-9635-887DB44F6D59}"/>
               </a:ext>
             </a:extLst>
           </p:cNvPr>
@@ -642,7 +642,7 @@
           <p:cNvPr id="4" name="日期占位符 3">
             <a:extLst>
               <a:ext uri="{FF2B5EF4-FFF2-40B4-BE49-F238E27FC236}">
-                <a16:creationId xmlns:a16="http://schemas.microsoft.com/office/drawing/2014/main" id="{0259DAD7-7777-36BF-81F6-AD13C6866319}"/>
+                <a16:creationId xmlns:a16="http://schemas.microsoft.com/office/drawing/2014/main" id="{E2D8D320-7F2B-3B76-FF38-40AFB3C34454}"/>
               </a:ext>
             </a:extLst>
           </p:cNvPr>
@@ -658,7 +658,7 @@
           <a:bodyPr/>
           <a:lstStyle/>
           <a:p>
-            <a:fld id="{84D43CCE-37E0-489B-BCD7-80ED6834EC52}" type="datetimeFigureOut">
+            <a:fld id="{3F0FC3C3-15A7-4D3E-B504-79CF41ECBB60}" type="datetimeFigureOut">
               <a:rPr lang="zh-CN" altLang="en-US" smtClean="0"/>
               <a:t>2024/3/10</a:t>
             </a:fld>
@@ -671,7 +671,7 @@
           <p:cNvPr id="5" name="页脚占位符 4">
             <a:extLst>
               <a:ext uri="{FF2B5EF4-FFF2-40B4-BE49-F238E27FC236}">
-                <a16:creationId xmlns:a16="http://schemas.microsoft.com/office/drawing/2014/main" id="{874647CB-BBDD-87F9-3DBB-241260990EF1}"/>
+                <a16:creationId xmlns:a16="http://schemas.microsoft.com/office/drawing/2014/main" id="{AE81825B-8813-63CB-E3C2-49CAC26A65DD}"/>
               </a:ext>
             </a:extLst>
           </p:cNvPr>
@@ -696,7 +696,7 @@
           <p:cNvPr id="6" name="灯片编号占位符 5">
             <a:extLst>
               <a:ext uri="{FF2B5EF4-FFF2-40B4-BE49-F238E27FC236}">
-                <a16:creationId xmlns:a16="http://schemas.microsoft.com/office/drawing/2014/main" id="{1FBA0FE4-5CA7-AC1F-6E3B-2E329DB58E80}"/>
+                <a16:creationId xmlns:a16="http://schemas.microsoft.com/office/drawing/2014/main" id="{B4C056DA-A9B7-0429-DD5A-D473C2030017}"/>
               </a:ext>
             </a:extLst>
           </p:cNvPr>
@@ -712,7 +712,7 @@
           <a:bodyPr/>
           <a:lstStyle/>
           <a:p>
-            <a:fld id="{77F9F9FC-AA61-4D7D-81A0-19330AD9BF76}" type="slidenum">
+            <a:fld id="{29B79044-F750-4200-AE10-1B16BC99F08B}" type="slidenum">
               <a:rPr lang="zh-CN" altLang="en-US" smtClean="0"/>
               <a:t>‹#›</a:t>
             </a:fld>
@@ -723,7 +723,7 @@
     </p:spTree>
     <p:extLst>
       <p:ext uri="{BB962C8B-B14F-4D97-AF65-F5344CB8AC3E}">
-        <p14:creationId xmlns:p14="http://schemas.microsoft.com/office/powerpoint/2010/main" val="1428178793"/>
+        <p14:creationId xmlns:p14="http://schemas.microsoft.com/office/powerpoint/2010/main" val="3166716061"/>
       </p:ext>
     </p:extLst>
   </p:cSld>
@@ -755,7 +755,7 @@
           <p:cNvPr id="2" name="标题 1">
             <a:extLst>
               <a:ext uri="{FF2B5EF4-FFF2-40B4-BE49-F238E27FC236}">
-                <a16:creationId xmlns:a16="http://schemas.microsoft.com/office/drawing/2014/main" id="{07A2418A-6683-7195-1048-2782C4362123}"/>
+                <a16:creationId xmlns:a16="http://schemas.microsoft.com/office/drawing/2014/main" id="{F46C6C21-FD4B-7ADD-C526-199E692AF670}"/>
               </a:ext>
             </a:extLst>
           </p:cNvPr>
@@ -783,7 +783,7 @@
           <p:cNvPr id="3" name="内容占位符 2">
             <a:extLst>
               <a:ext uri="{FF2B5EF4-FFF2-40B4-BE49-F238E27FC236}">
-                <a16:creationId xmlns:a16="http://schemas.microsoft.com/office/drawing/2014/main" id="{DF6E95F8-E15A-A77B-1391-90957E236F74}"/>
+                <a16:creationId xmlns:a16="http://schemas.microsoft.com/office/drawing/2014/main" id="{F6C818AD-4EEA-C2A6-7191-CD0383DC196F}"/>
               </a:ext>
             </a:extLst>
           </p:cNvPr>
@@ -840,7 +840,7 @@
           <p:cNvPr id="4" name="日期占位符 3">
             <a:extLst>
               <a:ext uri="{FF2B5EF4-FFF2-40B4-BE49-F238E27FC236}">
-                <a16:creationId xmlns:a16="http://schemas.microsoft.com/office/drawing/2014/main" id="{62F08033-7319-FB1F-3BE8-84EC3B28606C}"/>
+                <a16:creationId xmlns:a16="http://schemas.microsoft.com/office/drawing/2014/main" id="{CBE3E231-2514-9C4B-D573-F64E9B1DE2B7}"/>
               </a:ext>
             </a:extLst>
           </p:cNvPr>
@@ -856,7 +856,7 @@
           <a:bodyPr/>
           <a:lstStyle/>
           <a:p>
-            <a:fld id="{84D43CCE-37E0-489B-BCD7-80ED6834EC52}" type="datetimeFigureOut">
+            <a:fld id="{3F0FC3C3-15A7-4D3E-B504-79CF41ECBB60}" type="datetimeFigureOut">
               <a:rPr lang="zh-CN" altLang="en-US" smtClean="0"/>
               <a:t>2024/3/10</a:t>
             </a:fld>
@@ -869,7 +869,7 @@
           <p:cNvPr id="5" name="页脚占位符 4">
             <a:extLst>
               <a:ext uri="{FF2B5EF4-FFF2-40B4-BE49-F238E27FC236}">
-                <a16:creationId xmlns:a16="http://schemas.microsoft.com/office/drawing/2014/main" id="{F6BE6FA1-1BF2-DA4D-A245-497BBEFF7AB4}"/>
+                <a16:creationId xmlns:a16="http://schemas.microsoft.com/office/drawing/2014/main" id="{D7B40311-FC0D-DB19-EE8B-C0EC31E050E6}"/>
               </a:ext>
             </a:extLst>
           </p:cNvPr>
@@ -894,7 +894,7 @@
           <p:cNvPr id="6" name="灯片编号占位符 5">
             <a:extLst>
               <a:ext uri="{FF2B5EF4-FFF2-40B4-BE49-F238E27FC236}">
-                <a16:creationId xmlns:a16="http://schemas.microsoft.com/office/drawing/2014/main" id="{A264B849-258D-9356-63EC-D4D7C2526B32}"/>
+                <a16:creationId xmlns:a16="http://schemas.microsoft.com/office/drawing/2014/main" id="{3685839D-F053-79AE-E00C-5D7A4327E1D0}"/>
               </a:ext>
             </a:extLst>
           </p:cNvPr>
@@ -910,7 +910,7 @@
           <a:bodyPr/>
           <a:lstStyle/>
           <a:p>
-            <a:fld id="{77F9F9FC-AA61-4D7D-81A0-19330AD9BF76}" type="slidenum">
+            <a:fld id="{29B79044-F750-4200-AE10-1B16BC99F08B}" type="slidenum">
               <a:rPr lang="zh-CN" altLang="en-US" smtClean="0"/>
               <a:t>‹#›</a:t>
             </a:fld>
@@ -921,7 +921,7 @@
     </p:spTree>
     <p:extLst>
       <p:ext uri="{BB962C8B-B14F-4D97-AF65-F5344CB8AC3E}">
-        <p14:creationId xmlns:p14="http://schemas.microsoft.com/office/powerpoint/2010/main" val="3406041550"/>
+        <p14:creationId xmlns:p14="http://schemas.microsoft.com/office/powerpoint/2010/main" val="1285318940"/>
       </p:ext>
     </p:extLst>
   </p:cSld>
@@ -953,7 +953,7 @@
           <p:cNvPr id="2" name="标题 1">
             <a:extLst>
               <a:ext uri="{FF2B5EF4-FFF2-40B4-BE49-F238E27FC236}">
-                <a16:creationId xmlns:a16="http://schemas.microsoft.com/office/drawing/2014/main" id="{FF3900B7-7E8F-8753-55A7-05C7DD96833C}"/>
+                <a16:creationId xmlns:a16="http://schemas.microsoft.com/office/drawing/2014/main" id="{F1FE96DC-AE6A-C74F-EE87-309EBF4DA0C2}"/>
               </a:ext>
             </a:extLst>
           </p:cNvPr>
@@ -990,7 +990,7 @@
           <p:cNvPr id="3" name="文本占位符 2">
             <a:extLst>
               <a:ext uri="{FF2B5EF4-FFF2-40B4-BE49-F238E27FC236}">
-                <a16:creationId xmlns:a16="http://schemas.microsoft.com/office/drawing/2014/main" id="{3C32C973-9694-2D5F-7356-C290AFC79032}"/>
+                <a16:creationId xmlns:a16="http://schemas.microsoft.com/office/drawing/2014/main" id="{2647462C-55D2-AB05-7133-1A60F4B62F85}"/>
               </a:ext>
             </a:extLst>
           </p:cNvPr>
@@ -1115,7 +1115,7 @@
           <p:cNvPr id="4" name="日期占位符 3">
             <a:extLst>
               <a:ext uri="{FF2B5EF4-FFF2-40B4-BE49-F238E27FC236}">
-                <a16:creationId xmlns:a16="http://schemas.microsoft.com/office/drawing/2014/main" id="{251C5D57-1F5D-4C11-40CF-0D80062DD06F}"/>
+                <a16:creationId xmlns:a16="http://schemas.microsoft.com/office/drawing/2014/main" id="{5C6A80C5-CA44-DB33-CB14-3CFF640EDE24}"/>
               </a:ext>
             </a:extLst>
           </p:cNvPr>
@@ -1131,7 +1131,7 @@
           <a:bodyPr/>
           <a:lstStyle/>
           <a:p>
-            <a:fld id="{84D43CCE-37E0-489B-BCD7-80ED6834EC52}" type="datetimeFigureOut">
+            <a:fld id="{3F0FC3C3-15A7-4D3E-B504-79CF41ECBB60}" type="datetimeFigureOut">
               <a:rPr lang="zh-CN" altLang="en-US" smtClean="0"/>
               <a:t>2024/3/10</a:t>
             </a:fld>
@@ -1144,7 +1144,7 @@
           <p:cNvPr id="5" name="页脚占位符 4">
             <a:extLst>
               <a:ext uri="{FF2B5EF4-FFF2-40B4-BE49-F238E27FC236}">
-                <a16:creationId xmlns:a16="http://schemas.microsoft.com/office/drawing/2014/main" id="{823173F6-0DC0-7A51-220E-6751BB039F8C}"/>
+                <a16:creationId xmlns:a16="http://schemas.microsoft.com/office/drawing/2014/main" id="{56501578-6BC4-3F17-B03B-534684D78EC3}"/>
               </a:ext>
             </a:extLst>
           </p:cNvPr>
@@ -1169,7 +1169,7 @@
           <p:cNvPr id="6" name="灯片编号占位符 5">
             <a:extLst>
               <a:ext uri="{FF2B5EF4-FFF2-40B4-BE49-F238E27FC236}">
-                <a16:creationId xmlns:a16="http://schemas.microsoft.com/office/drawing/2014/main" id="{63D04119-815C-62BC-6F57-5F3CBE2E066A}"/>
+                <a16:creationId xmlns:a16="http://schemas.microsoft.com/office/drawing/2014/main" id="{E569EF3D-57A8-44D5-AEB7-413EAE20DC98}"/>
               </a:ext>
             </a:extLst>
           </p:cNvPr>
@@ -1185,7 +1185,7 @@
           <a:bodyPr/>
           <a:lstStyle/>
           <a:p>
-            <a:fld id="{77F9F9FC-AA61-4D7D-81A0-19330AD9BF76}" type="slidenum">
+            <a:fld id="{29B79044-F750-4200-AE10-1B16BC99F08B}" type="slidenum">
               <a:rPr lang="zh-CN" altLang="en-US" smtClean="0"/>
               <a:t>‹#›</a:t>
             </a:fld>
@@ -1196,7 +1196,7 @@
     </p:spTree>
     <p:extLst>
       <p:ext uri="{BB962C8B-B14F-4D97-AF65-F5344CB8AC3E}">
-        <p14:creationId xmlns:p14="http://schemas.microsoft.com/office/powerpoint/2010/main" val="3211550271"/>
+        <p14:creationId xmlns:p14="http://schemas.microsoft.com/office/powerpoint/2010/main" val="4122595909"/>
       </p:ext>
     </p:extLst>
   </p:cSld>
@@ -1228,7 +1228,7 @@
           <p:cNvPr id="2" name="标题 1">
             <a:extLst>
               <a:ext uri="{FF2B5EF4-FFF2-40B4-BE49-F238E27FC236}">
-                <a16:creationId xmlns:a16="http://schemas.microsoft.com/office/drawing/2014/main" id="{623B29E5-AAA2-458F-63F6-D0B935D78E39}"/>
+                <a16:creationId xmlns:a16="http://schemas.microsoft.com/office/drawing/2014/main" id="{5387E69C-D921-492F-8993-1892C41C218C}"/>
               </a:ext>
             </a:extLst>
           </p:cNvPr>
@@ -1256,7 +1256,7 @@
           <p:cNvPr id="3" name="内容占位符 2">
             <a:extLst>
               <a:ext uri="{FF2B5EF4-FFF2-40B4-BE49-F238E27FC236}">
-                <a16:creationId xmlns:a16="http://schemas.microsoft.com/office/drawing/2014/main" id="{C97422D0-9058-E38F-BDD9-B397FC4862F2}"/>
+                <a16:creationId xmlns:a16="http://schemas.microsoft.com/office/drawing/2014/main" id="{78E0BE67-CBB8-2E5F-DE7C-444B53A3FAF7}"/>
               </a:ext>
             </a:extLst>
           </p:cNvPr>
@@ -1318,7 +1318,7 @@
           <p:cNvPr id="4" name="内容占位符 3">
             <a:extLst>
               <a:ext uri="{FF2B5EF4-FFF2-40B4-BE49-F238E27FC236}">
-                <a16:creationId xmlns:a16="http://schemas.microsoft.com/office/drawing/2014/main" id="{731E7D26-4169-6C03-803F-B4BDD3F46C27}"/>
+                <a16:creationId xmlns:a16="http://schemas.microsoft.com/office/drawing/2014/main" id="{ABD3B708-C1C3-D4E3-A596-82EEB46EAB91}"/>
               </a:ext>
             </a:extLst>
           </p:cNvPr>
@@ -1380,7 +1380,7 @@
           <p:cNvPr id="5" name="日期占位符 4">
             <a:extLst>
               <a:ext uri="{FF2B5EF4-FFF2-40B4-BE49-F238E27FC236}">
-                <a16:creationId xmlns:a16="http://schemas.microsoft.com/office/drawing/2014/main" id="{122D40B2-F1F7-733B-4860-E6B7C964D1C4}"/>
+                <a16:creationId xmlns:a16="http://schemas.microsoft.com/office/drawing/2014/main" id="{B4AF883E-6856-3D31-E076-4713CBC3DBE4}"/>
               </a:ext>
             </a:extLst>
           </p:cNvPr>
@@ -1396,7 +1396,7 @@
           <a:bodyPr/>
           <a:lstStyle/>
           <a:p>
-            <a:fld id="{84D43CCE-37E0-489B-BCD7-80ED6834EC52}" type="datetimeFigureOut">
+            <a:fld id="{3F0FC3C3-15A7-4D3E-B504-79CF41ECBB60}" type="datetimeFigureOut">
               <a:rPr lang="zh-CN" altLang="en-US" smtClean="0"/>
               <a:t>2024/3/10</a:t>
             </a:fld>
@@ -1409,7 +1409,7 @@
           <p:cNvPr id="6" name="页脚占位符 5">
             <a:extLst>
               <a:ext uri="{FF2B5EF4-FFF2-40B4-BE49-F238E27FC236}">
-                <a16:creationId xmlns:a16="http://schemas.microsoft.com/office/drawing/2014/main" id="{FB82F69A-C9D6-FCDC-912D-8C61A16A0702}"/>
+                <a16:creationId xmlns:a16="http://schemas.microsoft.com/office/drawing/2014/main" id="{DD6052F9-218B-97B8-6C04-C83EE2027EAC}"/>
               </a:ext>
             </a:extLst>
           </p:cNvPr>
@@ -1434,7 +1434,7 @@
           <p:cNvPr id="7" name="灯片编号占位符 6">
             <a:extLst>
               <a:ext uri="{FF2B5EF4-FFF2-40B4-BE49-F238E27FC236}">
-                <a16:creationId xmlns:a16="http://schemas.microsoft.com/office/drawing/2014/main" id="{3C8F1A50-248C-98C6-FF6B-4BA0948A6009}"/>
+                <a16:creationId xmlns:a16="http://schemas.microsoft.com/office/drawing/2014/main" id="{5E992150-FD28-DFC7-879F-BB4DF9D72DFE}"/>
               </a:ext>
             </a:extLst>
           </p:cNvPr>
@@ -1450,7 +1450,7 @@
           <a:bodyPr/>
           <a:lstStyle/>
           <a:p>
-            <a:fld id="{77F9F9FC-AA61-4D7D-81A0-19330AD9BF76}" type="slidenum">
+            <a:fld id="{29B79044-F750-4200-AE10-1B16BC99F08B}" type="slidenum">
               <a:rPr lang="zh-CN" altLang="en-US" smtClean="0"/>
               <a:t>‹#›</a:t>
             </a:fld>
@@ -1461,7 +1461,7 @@
     </p:spTree>
     <p:extLst>
       <p:ext uri="{BB962C8B-B14F-4D97-AF65-F5344CB8AC3E}">
-        <p14:creationId xmlns:p14="http://schemas.microsoft.com/office/powerpoint/2010/main" val="111483295"/>
+        <p14:creationId xmlns:p14="http://schemas.microsoft.com/office/powerpoint/2010/main" val="973309028"/>
       </p:ext>
     </p:extLst>
   </p:cSld>
@@ -1493,7 +1493,7 @@
           <p:cNvPr id="2" name="标题 1">
             <a:extLst>
               <a:ext uri="{FF2B5EF4-FFF2-40B4-BE49-F238E27FC236}">
-                <a16:creationId xmlns:a16="http://schemas.microsoft.com/office/drawing/2014/main" id="{FBB05AF5-5B93-134E-323A-E482375F531C}"/>
+                <a16:creationId xmlns:a16="http://schemas.microsoft.com/office/drawing/2014/main" id="{3C83E278-E4B5-6AE0-76A5-1D1431770686}"/>
               </a:ext>
             </a:extLst>
           </p:cNvPr>
@@ -1526,7 +1526,7 @@
           <p:cNvPr id="3" name="文本占位符 2">
             <a:extLst>
               <a:ext uri="{FF2B5EF4-FFF2-40B4-BE49-F238E27FC236}">
-                <a16:creationId xmlns:a16="http://schemas.microsoft.com/office/drawing/2014/main" id="{75633722-5ECA-47CE-3510-069B743CDFF2}"/>
+                <a16:creationId xmlns:a16="http://schemas.microsoft.com/office/drawing/2014/main" id="{D2305202-21C8-B9BF-1BF6-39930DDB7241}"/>
               </a:ext>
             </a:extLst>
           </p:cNvPr>
@@ -1597,7 +1597,7 @@
           <p:cNvPr id="4" name="内容占位符 3">
             <a:extLst>
               <a:ext uri="{FF2B5EF4-FFF2-40B4-BE49-F238E27FC236}">
-                <a16:creationId xmlns:a16="http://schemas.microsoft.com/office/drawing/2014/main" id="{A72FF4A7-BAC2-6D5F-8306-E99E81670A25}"/>
+                <a16:creationId xmlns:a16="http://schemas.microsoft.com/office/drawing/2014/main" id="{67A8F1FE-7B93-3521-FEB1-9CADD15D8D74}"/>
               </a:ext>
             </a:extLst>
           </p:cNvPr>
@@ -1659,7 +1659,7 @@
           <p:cNvPr id="5" name="文本占位符 4">
             <a:extLst>
               <a:ext uri="{FF2B5EF4-FFF2-40B4-BE49-F238E27FC236}">
-                <a16:creationId xmlns:a16="http://schemas.microsoft.com/office/drawing/2014/main" id="{0F70BA12-97DB-A566-FEDB-89A7865058FD}"/>
+                <a16:creationId xmlns:a16="http://schemas.microsoft.com/office/drawing/2014/main" id="{740CE561-7A0E-9B26-0CA1-5E13CAB86862}"/>
               </a:ext>
             </a:extLst>
           </p:cNvPr>
@@ -1730,7 +1730,7 @@
           <p:cNvPr id="6" name="内容占位符 5">
             <a:extLst>
               <a:ext uri="{FF2B5EF4-FFF2-40B4-BE49-F238E27FC236}">
-                <a16:creationId xmlns:a16="http://schemas.microsoft.com/office/drawing/2014/main" id="{67BBC8EB-EC30-4A94-277E-FBB29D1C2DB0}"/>
+                <a16:creationId xmlns:a16="http://schemas.microsoft.com/office/drawing/2014/main" id="{4C1E0477-746F-FE4B-52A5-75C28011DF93}"/>
               </a:ext>
             </a:extLst>
           </p:cNvPr>
@@ -1792,7 +1792,7 @@
           <p:cNvPr id="7" name="日期占位符 6">
             <a:extLst>
               <a:ext uri="{FF2B5EF4-FFF2-40B4-BE49-F238E27FC236}">
-                <a16:creationId xmlns:a16="http://schemas.microsoft.com/office/drawing/2014/main" id="{AFB5E7AA-DC28-C39A-242F-73BD119CC672}"/>
+                <a16:creationId xmlns:a16="http://schemas.microsoft.com/office/drawing/2014/main" id="{2137CCAB-4E98-65CF-AF82-B8D82F659101}"/>
               </a:ext>
             </a:extLst>
           </p:cNvPr>
@@ -1808,7 +1808,7 @@
           <a:bodyPr/>
           <a:lstStyle/>
           <a:p>
-            <a:fld id="{84D43CCE-37E0-489B-BCD7-80ED6834EC52}" type="datetimeFigureOut">
+            <a:fld id="{3F0FC3C3-15A7-4D3E-B504-79CF41ECBB60}" type="datetimeFigureOut">
               <a:rPr lang="zh-CN" altLang="en-US" smtClean="0"/>
               <a:t>2024/3/10</a:t>
             </a:fld>
@@ -1821,7 +1821,7 @@
           <p:cNvPr id="8" name="页脚占位符 7">
             <a:extLst>
               <a:ext uri="{FF2B5EF4-FFF2-40B4-BE49-F238E27FC236}">
-                <a16:creationId xmlns:a16="http://schemas.microsoft.com/office/drawing/2014/main" id="{FD5050A3-CED6-0AFC-8B74-9ED068B5CAB4}"/>
+                <a16:creationId xmlns:a16="http://schemas.microsoft.com/office/drawing/2014/main" id="{8243F908-0F8A-DE80-1689-71B0A442118C}"/>
               </a:ext>
             </a:extLst>
           </p:cNvPr>
@@ -1846,7 +1846,7 @@
           <p:cNvPr id="9" name="灯片编号占位符 8">
             <a:extLst>
               <a:ext uri="{FF2B5EF4-FFF2-40B4-BE49-F238E27FC236}">
-                <a16:creationId xmlns:a16="http://schemas.microsoft.com/office/drawing/2014/main" id="{686CD387-3289-3DAC-CD1B-D453B00ACC55}"/>
+                <a16:creationId xmlns:a16="http://schemas.microsoft.com/office/drawing/2014/main" id="{47EB948E-0004-72B2-7F0E-AFE57203F873}"/>
               </a:ext>
             </a:extLst>
           </p:cNvPr>
@@ -1862,7 +1862,7 @@
           <a:bodyPr/>
           <a:lstStyle/>
           <a:p>
-            <a:fld id="{77F9F9FC-AA61-4D7D-81A0-19330AD9BF76}" type="slidenum">
+            <a:fld id="{29B79044-F750-4200-AE10-1B16BC99F08B}" type="slidenum">
               <a:rPr lang="zh-CN" altLang="en-US" smtClean="0"/>
               <a:t>‹#›</a:t>
             </a:fld>
@@ -1873,7 +1873,7 @@
     </p:spTree>
     <p:extLst>
       <p:ext uri="{BB962C8B-B14F-4D97-AF65-F5344CB8AC3E}">
-        <p14:creationId xmlns:p14="http://schemas.microsoft.com/office/powerpoint/2010/main" val="4145010092"/>
+        <p14:creationId xmlns:p14="http://schemas.microsoft.com/office/powerpoint/2010/main" val="1500567503"/>
       </p:ext>
     </p:extLst>
   </p:cSld>
@@ -1905,7 +1905,7 @@
           <p:cNvPr id="2" name="标题 1">
             <a:extLst>
               <a:ext uri="{FF2B5EF4-FFF2-40B4-BE49-F238E27FC236}">
-                <a16:creationId xmlns:a16="http://schemas.microsoft.com/office/drawing/2014/main" id="{A8D6440E-8F29-2F7F-273B-812898A9D41A}"/>
+                <a16:creationId xmlns:a16="http://schemas.microsoft.com/office/drawing/2014/main" id="{3661601D-F22A-2C92-9EBE-07FD245B086F}"/>
               </a:ext>
             </a:extLst>
           </p:cNvPr>
@@ -1933,7 +1933,7 @@
           <p:cNvPr id="3" name="日期占位符 2">
             <a:extLst>
               <a:ext uri="{FF2B5EF4-FFF2-40B4-BE49-F238E27FC236}">
-                <a16:creationId xmlns:a16="http://schemas.microsoft.com/office/drawing/2014/main" id="{04A8703E-6DCD-022B-1268-3F71949EBD01}"/>
+                <a16:creationId xmlns:a16="http://schemas.microsoft.com/office/drawing/2014/main" id="{4F65FE6C-6AFF-922F-563B-67AEA9E12CA3}"/>
               </a:ext>
             </a:extLst>
           </p:cNvPr>
@@ -1949,7 +1949,7 @@
           <a:bodyPr/>
           <a:lstStyle/>
           <a:p>
-            <a:fld id="{84D43CCE-37E0-489B-BCD7-80ED6834EC52}" type="datetimeFigureOut">
+            <a:fld id="{3F0FC3C3-15A7-4D3E-B504-79CF41ECBB60}" type="datetimeFigureOut">
               <a:rPr lang="zh-CN" altLang="en-US" smtClean="0"/>
               <a:t>2024/3/10</a:t>
             </a:fld>
@@ -1962,7 +1962,7 @@
           <p:cNvPr id="4" name="页脚占位符 3">
             <a:extLst>
               <a:ext uri="{FF2B5EF4-FFF2-40B4-BE49-F238E27FC236}">
-                <a16:creationId xmlns:a16="http://schemas.microsoft.com/office/drawing/2014/main" id="{32EC3323-FACD-42B3-A8A4-622BFED2546A}"/>
+                <a16:creationId xmlns:a16="http://schemas.microsoft.com/office/drawing/2014/main" id="{B1D218C5-E500-88AB-7529-64D4FD4D0074}"/>
               </a:ext>
             </a:extLst>
           </p:cNvPr>
@@ -1987,7 +1987,7 @@
           <p:cNvPr id="5" name="灯片编号占位符 4">
             <a:extLst>
               <a:ext uri="{FF2B5EF4-FFF2-40B4-BE49-F238E27FC236}">
-                <a16:creationId xmlns:a16="http://schemas.microsoft.com/office/drawing/2014/main" id="{B9EF73BD-7633-E02F-BD1A-A719214B4E83}"/>
+                <a16:creationId xmlns:a16="http://schemas.microsoft.com/office/drawing/2014/main" id="{FE6999EB-64D9-CEE4-8CA6-32D1D74EC99D}"/>
               </a:ext>
             </a:extLst>
           </p:cNvPr>
@@ -2003,7 +2003,7 @@
           <a:bodyPr/>
           <a:lstStyle/>
           <a:p>
-            <a:fld id="{77F9F9FC-AA61-4D7D-81A0-19330AD9BF76}" type="slidenum">
+            <a:fld id="{29B79044-F750-4200-AE10-1B16BC99F08B}" type="slidenum">
               <a:rPr lang="zh-CN" altLang="en-US" smtClean="0"/>
               <a:t>‹#›</a:t>
             </a:fld>
@@ -2014,7 +2014,7 @@
     </p:spTree>
     <p:extLst>
       <p:ext uri="{BB962C8B-B14F-4D97-AF65-F5344CB8AC3E}">
-        <p14:creationId xmlns:p14="http://schemas.microsoft.com/office/powerpoint/2010/main" val="2186154483"/>
+        <p14:creationId xmlns:p14="http://schemas.microsoft.com/office/powerpoint/2010/main" val="3113558875"/>
       </p:ext>
     </p:extLst>
   </p:cSld>
@@ -2046,7 +2046,7 @@
           <p:cNvPr id="2" name="日期占位符 1">
             <a:extLst>
               <a:ext uri="{FF2B5EF4-FFF2-40B4-BE49-F238E27FC236}">
-                <a16:creationId xmlns:a16="http://schemas.microsoft.com/office/drawing/2014/main" id="{ADFD619C-4241-496A-1EA0-1DAF3F2343B4}"/>
+                <a16:creationId xmlns:a16="http://schemas.microsoft.com/office/drawing/2014/main" id="{2247BAFB-063F-0484-47BD-7D6E13B697D7}"/>
               </a:ext>
             </a:extLst>
           </p:cNvPr>
@@ -2062,7 +2062,7 @@
           <a:bodyPr/>
           <a:lstStyle/>
           <a:p>
-            <a:fld id="{84D43CCE-37E0-489B-BCD7-80ED6834EC52}" type="datetimeFigureOut">
+            <a:fld id="{3F0FC3C3-15A7-4D3E-B504-79CF41ECBB60}" type="datetimeFigureOut">
               <a:rPr lang="zh-CN" altLang="en-US" smtClean="0"/>
               <a:t>2024/3/10</a:t>
             </a:fld>
@@ -2075,7 +2075,7 @@
           <p:cNvPr id="3" name="页脚占位符 2">
             <a:extLst>
               <a:ext uri="{FF2B5EF4-FFF2-40B4-BE49-F238E27FC236}">
-                <a16:creationId xmlns:a16="http://schemas.microsoft.com/office/drawing/2014/main" id="{F90A8BE2-D312-3150-712E-A05CBF912562}"/>
+                <a16:creationId xmlns:a16="http://schemas.microsoft.com/office/drawing/2014/main" id="{7E049F49-8149-A65D-997B-BA6A47F49624}"/>
               </a:ext>
             </a:extLst>
           </p:cNvPr>
@@ -2100,7 +2100,7 @@
           <p:cNvPr id="4" name="灯片编号占位符 3">
             <a:extLst>
               <a:ext uri="{FF2B5EF4-FFF2-40B4-BE49-F238E27FC236}">
-                <a16:creationId xmlns:a16="http://schemas.microsoft.com/office/drawing/2014/main" id="{05C4E9B6-EC7E-DACF-8177-1A1F6A624E28}"/>
+                <a16:creationId xmlns:a16="http://schemas.microsoft.com/office/drawing/2014/main" id="{636713DA-77EC-E137-8DFD-D1E310C4568D}"/>
               </a:ext>
             </a:extLst>
           </p:cNvPr>
@@ -2116,7 +2116,7 @@
           <a:bodyPr/>
           <a:lstStyle/>
           <a:p>
-            <a:fld id="{77F9F9FC-AA61-4D7D-81A0-19330AD9BF76}" type="slidenum">
+            <a:fld id="{29B79044-F750-4200-AE10-1B16BC99F08B}" type="slidenum">
               <a:rPr lang="zh-CN" altLang="en-US" smtClean="0"/>
               <a:t>‹#›</a:t>
             </a:fld>
@@ -2127,7 +2127,7 @@
     </p:spTree>
     <p:extLst>
       <p:ext uri="{BB962C8B-B14F-4D97-AF65-F5344CB8AC3E}">
-        <p14:creationId xmlns:p14="http://schemas.microsoft.com/office/powerpoint/2010/main" val="3268242961"/>
+        <p14:creationId xmlns:p14="http://schemas.microsoft.com/office/powerpoint/2010/main" val="638494728"/>
       </p:ext>
     </p:extLst>
   </p:cSld>
@@ -2159,7 +2159,7 @@
           <p:cNvPr id="2" name="标题 1">
             <a:extLst>
               <a:ext uri="{FF2B5EF4-FFF2-40B4-BE49-F238E27FC236}">
-                <a16:creationId xmlns:a16="http://schemas.microsoft.com/office/drawing/2014/main" id="{0D028CB2-3802-130B-AA0E-1D27DF56F2CF}"/>
+                <a16:creationId xmlns:a16="http://schemas.microsoft.com/office/drawing/2014/main" id="{A6A57FF3-1977-FFF5-1B11-245EB0C3063C}"/>
               </a:ext>
             </a:extLst>
           </p:cNvPr>
@@ -2196,7 +2196,7 @@
           <p:cNvPr id="3" name="内容占位符 2">
             <a:extLst>
               <a:ext uri="{FF2B5EF4-FFF2-40B4-BE49-F238E27FC236}">
-                <a16:creationId xmlns:a16="http://schemas.microsoft.com/office/drawing/2014/main" id="{F67BF488-1E3E-F471-DA99-EC6F8C644765}"/>
+                <a16:creationId xmlns:a16="http://schemas.microsoft.com/office/drawing/2014/main" id="{C231F5FB-95AE-0C6C-A1A3-A884DC335676}"/>
               </a:ext>
             </a:extLst>
           </p:cNvPr>
@@ -2286,7 +2286,7 @@
           <p:cNvPr id="4" name="文本占位符 3">
             <a:extLst>
               <a:ext uri="{FF2B5EF4-FFF2-40B4-BE49-F238E27FC236}">
-                <a16:creationId xmlns:a16="http://schemas.microsoft.com/office/drawing/2014/main" id="{440F6342-00CA-2BEC-2AF1-FE5AD2B1DC3F}"/>
+                <a16:creationId xmlns:a16="http://schemas.microsoft.com/office/drawing/2014/main" id="{61AAE98E-C850-23C3-ACB8-6663F2558C36}"/>
               </a:ext>
             </a:extLst>
           </p:cNvPr>
@@ -2357,7 +2357,7 @@
           <p:cNvPr id="5" name="日期占位符 4">
             <a:extLst>
               <a:ext uri="{FF2B5EF4-FFF2-40B4-BE49-F238E27FC236}">
-                <a16:creationId xmlns:a16="http://schemas.microsoft.com/office/drawing/2014/main" id="{7BF84DDF-445E-B036-B25F-C5139FED43A3}"/>
+                <a16:creationId xmlns:a16="http://schemas.microsoft.com/office/drawing/2014/main" id="{F1748E65-4962-E102-12B6-69115CA5DA2B}"/>
               </a:ext>
             </a:extLst>
           </p:cNvPr>
@@ -2373,7 +2373,7 @@
           <a:bodyPr/>
           <a:lstStyle/>
           <a:p>
-            <a:fld id="{84D43CCE-37E0-489B-BCD7-80ED6834EC52}" type="datetimeFigureOut">
+            <a:fld id="{3F0FC3C3-15A7-4D3E-B504-79CF41ECBB60}" type="datetimeFigureOut">
               <a:rPr lang="zh-CN" altLang="en-US" smtClean="0"/>
               <a:t>2024/3/10</a:t>
             </a:fld>
@@ -2386,7 +2386,7 @@
           <p:cNvPr id="6" name="页脚占位符 5">
             <a:extLst>
               <a:ext uri="{FF2B5EF4-FFF2-40B4-BE49-F238E27FC236}">
-                <a16:creationId xmlns:a16="http://schemas.microsoft.com/office/drawing/2014/main" id="{0AB7970A-64B4-36A3-4001-14BDF438C21D}"/>
+                <a16:creationId xmlns:a16="http://schemas.microsoft.com/office/drawing/2014/main" id="{8135F7B2-D088-35A4-54D7-101761B44475}"/>
               </a:ext>
             </a:extLst>
           </p:cNvPr>
@@ -2411,7 +2411,7 @@
           <p:cNvPr id="7" name="灯片编号占位符 6">
             <a:extLst>
               <a:ext uri="{FF2B5EF4-FFF2-40B4-BE49-F238E27FC236}">
-                <a16:creationId xmlns:a16="http://schemas.microsoft.com/office/drawing/2014/main" id="{EF4797B5-116F-E7D3-8430-BC7D053668F4}"/>
+                <a16:creationId xmlns:a16="http://schemas.microsoft.com/office/drawing/2014/main" id="{860B7F69-A414-5F5D-D9FA-FF0AE72F01AB}"/>
               </a:ext>
             </a:extLst>
           </p:cNvPr>
@@ -2427,7 +2427,7 @@
           <a:bodyPr/>
           <a:lstStyle/>
           <a:p>
-            <a:fld id="{77F9F9FC-AA61-4D7D-81A0-19330AD9BF76}" type="slidenum">
+            <a:fld id="{29B79044-F750-4200-AE10-1B16BC99F08B}" type="slidenum">
               <a:rPr lang="zh-CN" altLang="en-US" smtClean="0"/>
               <a:t>‹#›</a:t>
             </a:fld>
@@ -2438,7 +2438,7 @@
     </p:spTree>
     <p:extLst>
       <p:ext uri="{BB962C8B-B14F-4D97-AF65-F5344CB8AC3E}">
-        <p14:creationId xmlns:p14="http://schemas.microsoft.com/office/powerpoint/2010/main" val="2609288319"/>
+        <p14:creationId xmlns:p14="http://schemas.microsoft.com/office/powerpoint/2010/main" val="2127835711"/>
       </p:ext>
     </p:extLst>
   </p:cSld>
@@ -2470,7 +2470,7 @@
           <p:cNvPr id="2" name="标题 1">
             <a:extLst>
               <a:ext uri="{FF2B5EF4-FFF2-40B4-BE49-F238E27FC236}">
-                <a16:creationId xmlns:a16="http://schemas.microsoft.com/office/drawing/2014/main" id="{577A9090-3BD5-BC38-707D-E23B3E4807A4}"/>
+                <a16:creationId xmlns:a16="http://schemas.microsoft.com/office/drawing/2014/main" id="{2F2DD9B4-E0BD-ACEF-72EE-4F5E0DEE7E2A}"/>
               </a:ext>
             </a:extLst>
           </p:cNvPr>
@@ -2507,7 +2507,7 @@
           <p:cNvPr id="3" name="图片占位符 2">
             <a:extLst>
               <a:ext uri="{FF2B5EF4-FFF2-40B4-BE49-F238E27FC236}">
-                <a16:creationId xmlns:a16="http://schemas.microsoft.com/office/drawing/2014/main" id="{10DA0131-170A-6D14-281D-CE55D5971DBA}"/>
+                <a16:creationId xmlns:a16="http://schemas.microsoft.com/office/drawing/2014/main" id="{1E8E3530-0800-D419-4FEF-987A8F5EC961}"/>
               </a:ext>
             </a:extLst>
           </p:cNvPr>
@@ -2574,7 +2574,7 @@
           <p:cNvPr id="4" name="文本占位符 3">
             <a:extLst>
               <a:ext uri="{FF2B5EF4-FFF2-40B4-BE49-F238E27FC236}">
-                <a16:creationId xmlns:a16="http://schemas.microsoft.com/office/drawing/2014/main" id="{B9234AED-4668-00EC-C319-B1CEB445F44B}"/>
+                <a16:creationId xmlns:a16="http://schemas.microsoft.com/office/drawing/2014/main" id="{5E608CAD-F133-9FE6-4FF0-CD252742B21D}"/>
               </a:ext>
             </a:extLst>
           </p:cNvPr>
@@ -2645,7 +2645,7 @@
           <p:cNvPr id="5" name="日期占位符 4">
             <a:extLst>
               <a:ext uri="{FF2B5EF4-FFF2-40B4-BE49-F238E27FC236}">
-                <a16:creationId xmlns:a16="http://schemas.microsoft.com/office/drawing/2014/main" id="{E317BE7E-A989-01C6-9BA8-F79D11EED1AB}"/>
+                <a16:creationId xmlns:a16="http://schemas.microsoft.com/office/drawing/2014/main" id="{2824EF59-8D33-112B-BDB6-CF0B195C7417}"/>
               </a:ext>
             </a:extLst>
           </p:cNvPr>
@@ -2661,7 +2661,7 @@
           <a:bodyPr/>
           <a:lstStyle/>
           <a:p>
-            <a:fld id="{84D43CCE-37E0-489B-BCD7-80ED6834EC52}" type="datetimeFigureOut">
+            <a:fld id="{3F0FC3C3-15A7-4D3E-B504-79CF41ECBB60}" type="datetimeFigureOut">
               <a:rPr lang="zh-CN" altLang="en-US" smtClean="0"/>
               <a:t>2024/3/10</a:t>
             </a:fld>
@@ -2674,7 +2674,7 @@
           <p:cNvPr id="6" name="页脚占位符 5">
             <a:extLst>
               <a:ext uri="{FF2B5EF4-FFF2-40B4-BE49-F238E27FC236}">
-                <a16:creationId xmlns:a16="http://schemas.microsoft.com/office/drawing/2014/main" id="{8A9A7046-EAE1-DDDB-1E77-048B4C5F78C8}"/>
+                <a16:creationId xmlns:a16="http://schemas.microsoft.com/office/drawing/2014/main" id="{3293DC9A-ADEB-5D34-2A18-F565733EBB27}"/>
               </a:ext>
             </a:extLst>
           </p:cNvPr>
@@ -2699,7 +2699,7 @@
           <p:cNvPr id="7" name="灯片编号占位符 6">
             <a:extLst>
               <a:ext uri="{FF2B5EF4-FFF2-40B4-BE49-F238E27FC236}">
-                <a16:creationId xmlns:a16="http://schemas.microsoft.com/office/drawing/2014/main" id="{82791B96-1CA0-4B6B-B1D7-5B0EE42CE688}"/>
+                <a16:creationId xmlns:a16="http://schemas.microsoft.com/office/drawing/2014/main" id="{AB9F9CB4-5922-A020-A4E5-9A1355C52534}"/>
               </a:ext>
             </a:extLst>
           </p:cNvPr>
@@ -2715,7 +2715,7 @@
           <a:bodyPr/>
           <a:lstStyle/>
           <a:p>
-            <a:fld id="{77F9F9FC-AA61-4D7D-81A0-19330AD9BF76}" type="slidenum">
+            <a:fld id="{29B79044-F750-4200-AE10-1B16BC99F08B}" type="slidenum">
               <a:rPr lang="zh-CN" altLang="en-US" smtClean="0"/>
               <a:t>‹#›</a:t>
             </a:fld>
@@ -2726,7 +2726,7 @@
     </p:spTree>
     <p:extLst>
       <p:ext uri="{BB962C8B-B14F-4D97-AF65-F5344CB8AC3E}">
-        <p14:creationId xmlns:p14="http://schemas.microsoft.com/office/powerpoint/2010/main" val="2578561381"/>
+        <p14:creationId xmlns:p14="http://schemas.microsoft.com/office/powerpoint/2010/main" val="1188030357"/>
       </p:ext>
     </p:extLst>
   </p:cSld>
@@ -2763,7 +2763,7 @@
           <p:cNvPr id="2" name="标题占位符 1">
             <a:extLst>
               <a:ext uri="{FF2B5EF4-FFF2-40B4-BE49-F238E27FC236}">
-                <a16:creationId xmlns:a16="http://schemas.microsoft.com/office/drawing/2014/main" id="{68026901-5F84-4114-6B69-F17F249DC248}"/>
+                <a16:creationId xmlns:a16="http://schemas.microsoft.com/office/drawing/2014/main" id="{74AF5EFD-EC80-C50E-F121-126004C5F7F9}"/>
               </a:ext>
             </a:extLst>
           </p:cNvPr>
@@ -2801,7 +2801,7 @@
           <p:cNvPr id="3" name="文本占位符 2">
             <a:extLst>
               <a:ext uri="{FF2B5EF4-FFF2-40B4-BE49-F238E27FC236}">
-                <a16:creationId xmlns:a16="http://schemas.microsoft.com/office/drawing/2014/main" id="{6232BA69-B2D3-6ED6-A587-042C1BB70B32}"/>
+                <a16:creationId xmlns:a16="http://schemas.microsoft.com/office/drawing/2014/main" id="{B360C686-4D86-269C-FA6B-BC7EBB9F09AD}"/>
               </a:ext>
             </a:extLst>
           </p:cNvPr>
@@ -2868,7 +2868,7 @@
           <p:cNvPr id="4" name="日期占位符 3">
             <a:extLst>
               <a:ext uri="{FF2B5EF4-FFF2-40B4-BE49-F238E27FC236}">
-                <a16:creationId xmlns:a16="http://schemas.microsoft.com/office/drawing/2014/main" id="{DC85912F-9D1B-1CB6-E4BE-1C156C223FD1}"/>
+                <a16:creationId xmlns:a16="http://schemas.microsoft.com/office/drawing/2014/main" id="{D17A7936-F691-98F5-A8A0-AF9CC9A25A5E}"/>
               </a:ext>
             </a:extLst>
           </p:cNvPr>
@@ -2902,7 +2902,7 @@
             </a:lvl1pPr>
           </a:lstStyle>
           <a:p>
-            <a:fld id="{84D43CCE-37E0-489B-BCD7-80ED6834EC52}" type="datetimeFigureOut">
+            <a:fld id="{3F0FC3C3-15A7-4D3E-B504-79CF41ECBB60}" type="datetimeFigureOut">
               <a:rPr lang="zh-CN" altLang="en-US" smtClean="0"/>
               <a:t>2024/3/10</a:t>
             </a:fld>
@@ -2915,7 +2915,7 @@
           <p:cNvPr id="5" name="页脚占位符 4">
             <a:extLst>
               <a:ext uri="{FF2B5EF4-FFF2-40B4-BE49-F238E27FC236}">
-                <a16:creationId xmlns:a16="http://schemas.microsoft.com/office/drawing/2014/main" id="{8DCCE131-00DB-226D-52AC-8536338C0A76}"/>
+                <a16:creationId xmlns:a16="http://schemas.microsoft.com/office/drawing/2014/main" id="{555A39C3-5BAD-5FE6-5A58-41F7E1972B2E}"/>
               </a:ext>
             </a:extLst>
           </p:cNvPr>
@@ -2958,7 +2958,7 @@
           <p:cNvPr id="6" name="灯片编号占位符 5">
             <a:extLst>
               <a:ext uri="{FF2B5EF4-FFF2-40B4-BE49-F238E27FC236}">
-                <a16:creationId xmlns:a16="http://schemas.microsoft.com/office/drawing/2014/main" id="{81E50D37-0A19-FA88-2A63-D4A0A1CD4777}"/>
+                <a16:creationId xmlns:a16="http://schemas.microsoft.com/office/drawing/2014/main" id="{8CC6D123-B41F-6A0A-931F-775B965AB7E8}"/>
               </a:ext>
             </a:extLst>
           </p:cNvPr>
@@ -2992,7 +2992,7 @@
             </a:lvl1pPr>
           </a:lstStyle>
           <a:p>
-            <a:fld id="{77F9F9FC-AA61-4D7D-81A0-19330AD9BF76}" type="slidenum">
+            <a:fld id="{29B79044-F750-4200-AE10-1B16BC99F08B}" type="slidenum">
               <a:rPr lang="zh-CN" altLang="en-US" smtClean="0"/>
               <a:t>‹#›</a:t>
             </a:fld>
@@ -3003,7 +3003,7 @@
     </p:spTree>
     <p:extLst>
       <p:ext uri="{BB962C8B-B14F-4D97-AF65-F5344CB8AC3E}">
-        <p14:creationId xmlns:p14="http://schemas.microsoft.com/office/powerpoint/2010/main" val="1614907618"/>
+        <p14:creationId xmlns:p14="http://schemas.microsoft.com/office/powerpoint/2010/main" val="4271776575"/>
       </p:ext>
     </p:extLst>
   </p:cSld>
@@ -3323,7 +3323,7 @@
       </p:grpSpPr>
       <p:pic>
         <p:nvPicPr>
-          <p:cNvPr id="1363970" name="Picture 2" descr="1331"/>
+          <p:cNvPr id="1364994" name="Picture 2" descr="1332"/>
           <p:cNvPicPr>
             <a:picLocks noChangeAspect="1" noChangeArrowheads="1"/>
           </p:cNvPicPr>
@@ -3344,8 +3344,8 @@
         </p:blipFill>
         <p:spPr bwMode="auto">
           <a:xfrm>
-            <a:off x="1524000" y="14288"/>
-            <a:ext cx="9124950" cy="6843712"/>
+            <a:off x="1524000" y="1"/>
+            <a:ext cx="9144000" cy="4221163"/>
           </a:xfrm>
           <a:prstGeom prst="rect">
             <a:avLst/>
